--- a/ppt 16-9/0426.他是我一生的.pptx
+++ b/ppt 16-9/0426.他是我一生的.pptx
@@ -5,7 +5,7 @@
     <p:sldMasterId id="2147483648" r:id="rId1"/>
   </p:sldMasterIdLst>
   <p:sldIdLst>
-    <p:sldId id="2906" r:id="rId2"/>
+    <p:sldId id="2907" r:id="rId2"/>
   </p:sldIdLst>
   <p:sldSz cx="12192000" cy="6858000"/>
   <p:notesSz cx="6858000" cy="9144000"/>
@@ -129,7 +129,7 @@
           <p:cNvPr id="2" name="标题 1">
             <a:extLst>
               <a:ext uri="{FF2B5EF4-FFF2-40B4-BE49-F238E27FC236}">
-                <a16:creationId xmlns:a16="http://schemas.microsoft.com/office/drawing/2014/main" id="{8B3C3021-6BBD-C7D6-093B-74FB4B0B2BBB}"/>
+                <a16:creationId xmlns:a16="http://schemas.microsoft.com/office/drawing/2014/main" id="{8BB44D0C-6659-E26E-F4ED-7F7EFC9C1612}"/>
               </a:ext>
             </a:extLst>
           </p:cNvPr>
@@ -166,7 +166,7 @@
           <p:cNvPr id="3" name="副标题 2">
             <a:extLst>
               <a:ext uri="{FF2B5EF4-FFF2-40B4-BE49-F238E27FC236}">
-                <a16:creationId xmlns:a16="http://schemas.microsoft.com/office/drawing/2014/main" id="{AD100CD7-BE0C-61A7-F93E-64B9BD8AB2DB}"/>
+                <a16:creationId xmlns:a16="http://schemas.microsoft.com/office/drawing/2014/main" id="{A6A6F30B-2FF7-1F90-3D25-76D474984D0D}"/>
               </a:ext>
             </a:extLst>
           </p:cNvPr>
@@ -236,7 +236,7 @@
           <p:cNvPr id="4" name="日期占位符 3">
             <a:extLst>
               <a:ext uri="{FF2B5EF4-FFF2-40B4-BE49-F238E27FC236}">
-                <a16:creationId xmlns:a16="http://schemas.microsoft.com/office/drawing/2014/main" id="{E0DDDDA1-2DD4-9A7D-3FC1-54353F673646}"/>
+                <a16:creationId xmlns:a16="http://schemas.microsoft.com/office/drawing/2014/main" id="{FF29A3ED-462E-5E5A-D0EA-82B57B3756A2}"/>
               </a:ext>
             </a:extLst>
           </p:cNvPr>
@@ -252,7 +252,7 @@
           <a:bodyPr/>
           <a:lstStyle/>
           <a:p>
-            <a:fld id="{F05B63D8-7D38-40DD-83D4-E1EFBB027C4F}" type="datetimeFigureOut">
+            <a:fld id="{2E68DABB-1AD8-42E4-BD4A-2EAD44E6D6DD}" type="datetimeFigureOut">
               <a:rPr lang="zh-CN" altLang="en-US" smtClean="0"/>
               <a:t>2024/3/10</a:t>
             </a:fld>
@@ -265,7 +265,7 @@
           <p:cNvPr id="5" name="页脚占位符 4">
             <a:extLst>
               <a:ext uri="{FF2B5EF4-FFF2-40B4-BE49-F238E27FC236}">
-                <a16:creationId xmlns:a16="http://schemas.microsoft.com/office/drawing/2014/main" id="{B36E0381-A307-BAB8-04F2-5B90D257CA9A}"/>
+                <a16:creationId xmlns:a16="http://schemas.microsoft.com/office/drawing/2014/main" id="{44492199-47DD-D07E-021B-24B8BB66BA16}"/>
               </a:ext>
             </a:extLst>
           </p:cNvPr>
@@ -290,7 +290,7 @@
           <p:cNvPr id="6" name="灯片编号占位符 5">
             <a:extLst>
               <a:ext uri="{FF2B5EF4-FFF2-40B4-BE49-F238E27FC236}">
-                <a16:creationId xmlns:a16="http://schemas.microsoft.com/office/drawing/2014/main" id="{57373F93-6B97-D4EF-70E1-1A709AF3DD8F}"/>
+                <a16:creationId xmlns:a16="http://schemas.microsoft.com/office/drawing/2014/main" id="{0669A64E-0D90-E1FC-EF1E-36EF31091061}"/>
               </a:ext>
             </a:extLst>
           </p:cNvPr>
@@ -306,7 +306,7 @@
           <a:bodyPr/>
           <a:lstStyle/>
           <a:p>
-            <a:fld id="{97237C8C-A6B9-409B-9436-BC00217B5AB0}" type="slidenum">
+            <a:fld id="{C0326F7E-3C78-4207-A752-1AD968602EA8}" type="slidenum">
               <a:rPr lang="zh-CN" altLang="en-US" smtClean="0"/>
               <a:t>‹#›</a:t>
             </a:fld>
@@ -317,7 +317,7 @@
     </p:spTree>
     <p:extLst>
       <p:ext uri="{BB962C8B-B14F-4D97-AF65-F5344CB8AC3E}">
-        <p14:creationId xmlns:p14="http://schemas.microsoft.com/office/powerpoint/2010/main" val="3890114644"/>
+        <p14:creationId xmlns:p14="http://schemas.microsoft.com/office/powerpoint/2010/main" val="1574932330"/>
       </p:ext>
     </p:extLst>
   </p:cSld>
@@ -349,7 +349,7 @@
           <p:cNvPr id="2" name="标题 1">
             <a:extLst>
               <a:ext uri="{FF2B5EF4-FFF2-40B4-BE49-F238E27FC236}">
-                <a16:creationId xmlns:a16="http://schemas.microsoft.com/office/drawing/2014/main" id="{2D2B51B4-2186-1329-4B4E-0D12F1BAE6E4}"/>
+                <a16:creationId xmlns:a16="http://schemas.microsoft.com/office/drawing/2014/main" id="{4EC94014-B6BB-401F-B0B5-920889146457}"/>
               </a:ext>
             </a:extLst>
           </p:cNvPr>
@@ -377,7 +377,7 @@
           <p:cNvPr id="3" name="竖排文字占位符 2">
             <a:extLst>
               <a:ext uri="{FF2B5EF4-FFF2-40B4-BE49-F238E27FC236}">
-                <a16:creationId xmlns:a16="http://schemas.microsoft.com/office/drawing/2014/main" id="{DABE0063-6283-5456-5DAA-D08AC54C147D}"/>
+                <a16:creationId xmlns:a16="http://schemas.microsoft.com/office/drawing/2014/main" id="{551B29C3-4190-85EA-9C7E-BA582828AAE6}"/>
               </a:ext>
             </a:extLst>
           </p:cNvPr>
@@ -434,7 +434,7 @@
           <p:cNvPr id="4" name="日期占位符 3">
             <a:extLst>
               <a:ext uri="{FF2B5EF4-FFF2-40B4-BE49-F238E27FC236}">
-                <a16:creationId xmlns:a16="http://schemas.microsoft.com/office/drawing/2014/main" id="{AEC6A3F1-F97B-C40F-D8FB-F319F9FB100C}"/>
+                <a16:creationId xmlns:a16="http://schemas.microsoft.com/office/drawing/2014/main" id="{E08AB963-2487-C857-ABF6-A3BA049DECE7}"/>
               </a:ext>
             </a:extLst>
           </p:cNvPr>
@@ -450,7 +450,7 @@
           <a:bodyPr/>
           <a:lstStyle/>
           <a:p>
-            <a:fld id="{F05B63D8-7D38-40DD-83D4-E1EFBB027C4F}" type="datetimeFigureOut">
+            <a:fld id="{2E68DABB-1AD8-42E4-BD4A-2EAD44E6D6DD}" type="datetimeFigureOut">
               <a:rPr lang="zh-CN" altLang="en-US" smtClean="0"/>
               <a:t>2024/3/10</a:t>
             </a:fld>
@@ -463,7 +463,7 @@
           <p:cNvPr id="5" name="页脚占位符 4">
             <a:extLst>
               <a:ext uri="{FF2B5EF4-FFF2-40B4-BE49-F238E27FC236}">
-                <a16:creationId xmlns:a16="http://schemas.microsoft.com/office/drawing/2014/main" id="{E24E79B9-FBB4-B2E5-91CB-98FA5F791446}"/>
+                <a16:creationId xmlns:a16="http://schemas.microsoft.com/office/drawing/2014/main" id="{8BD7DF84-D727-8368-BCB8-AB1715AA9B78}"/>
               </a:ext>
             </a:extLst>
           </p:cNvPr>
@@ -488,7 +488,7 @@
           <p:cNvPr id="6" name="灯片编号占位符 5">
             <a:extLst>
               <a:ext uri="{FF2B5EF4-FFF2-40B4-BE49-F238E27FC236}">
-                <a16:creationId xmlns:a16="http://schemas.microsoft.com/office/drawing/2014/main" id="{288C9881-D87B-3FE6-8BEB-F73C9171BD75}"/>
+                <a16:creationId xmlns:a16="http://schemas.microsoft.com/office/drawing/2014/main" id="{98B5277D-0984-F36D-5B4F-6B9CD8927956}"/>
               </a:ext>
             </a:extLst>
           </p:cNvPr>
@@ -504,7 +504,7 @@
           <a:bodyPr/>
           <a:lstStyle/>
           <a:p>
-            <a:fld id="{97237C8C-A6B9-409B-9436-BC00217B5AB0}" type="slidenum">
+            <a:fld id="{C0326F7E-3C78-4207-A752-1AD968602EA8}" type="slidenum">
               <a:rPr lang="zh-CN" altLang="en-US" smtClean="0"/>
               <a:t>‹#›</a:t>
             </a:fld>
@@ -515,7 +515,7 @@
     </p:spTree>
     <p:extLst>
       <p:ext uri="{BB962C8B-B14F-4D97-AF65-F5344CB8AC3E}">
-        <p14:creationId xmlns:p14="http://schemas.microsoft.com/office/powerpoint/2010/main" val="2073947738"/>
+        <p14:creationId xmlns:p14="http://schemas.microsoft.com/office/powerpoint/2010/main" val="2217538595"/>
       </p:ext>
     </p:extLst>
   </p:cSld>
@@ -547,7 +547,7 @@
           <p:cNvPr id="2" name="竖排标题 1">
             <a:extLst>
               <a:ext uri="{FF2B5EF4-FFF2-40B4-BE49-F238E27FC236}">
-                <a16:creationId xmlns:a16="http://schemas.microsoft.com/office/drawing/2014/main" id="{98943EBD-B74A-F685-8076-A4064AF2D3F2}"/>
+                <a16:creationId xmlns:a16="http://schemas.microsoft.com/office/drawing/2014/main" id="{E05AFDDC-5406-D7C2-4377-B527F557A23D}"/>
               </a:ext>
             </a:extLst>
           </p:cNvPr>
@@ -580,7 +580,7 @@
           <p:cNvPr id="3" name="竖排文字占位符 2">
             <a:extLst>
               <a:ext uri="{FF2B5EF4-FFF2-40B4-BE49-F238E27FC236}">
-                <a16:creationId xmlns:a16="http://schemas.microsoft.com/office/drawing/2014/main" id="{973BFA7B-31B6-9876-9861-56E42F11FA21}"/>
+                <a16:creationId xmlns:a16="http://schemas.microsoft.com/office/drawing/2014/main" id="{D2AC230D-C07C-AF10-A3A3-E32F8A7F507C}"/>
               </a:ext>
             </a:extLst>
           </p:cNvPr>
@@ -642,7 +642,7 @@
           <p:cNvPr id="4" name="日期占位符 3">
             <a:extLst>
               <a:ext uri="{FF2B5EF4-FFF2-40B4-BE49-F238E27FC236}">
-                <a16:creationId xmlns:a16="http://schemas.microsoft.com/office/drawing/2014/main" id="{D8CBB749-9CA3-AFCD-C7E4-06841A9E3A21}"/>
+                <a16:creationId xmlns:a16="http://schemas.microsoft.com/office/drawing/2014/main" id="{1FFAEC50-52CA-77E9-FE48-15A8B406BF4D}"/>
               </a:ext>
             </a:extLst>
           </p:cNvPr>
@@ -658,7 +658,7 @@
           <a:bodyPr/>
           <a:lstStyle/>
           <a:p>
-            <a:fld id="{F05B63D8-7D38-40DD-83D4-E1EFBB027C4F}" type="datetimeFigureOut">
+            <a:fld id="{2E68DABB-1AD8-42E4-BD4A-2EAD44E6D6DD}" type="datetimeFigureOut">
               <a:rPr lang="zh-CN" altLang="en-US" smtClean="0"/>
               <a:t>2024/3/10</a:t>
             </a:fld>
@@ -671,7 +671,7 @@
           <p:cNvPr id="5" name="页脚占位符 4">
             <a:extLst>
               <a:ext uri="{FF2B5EF4-FFF2-40B4-BE49-F238E27FC236}">
-                <a16:creationId xmlns:a16="http://schemas.microsoft.com/office/drawing/2014/main" id="{828C21DC-11FE-D209-3F68-8EC280C51AD2}"/>
+                <a16:creationId xmlns:a16="http://schemas.microsoft.com/office/drawing/2014/main" id="{7A00658C-D76E-94ED-346C-16A817612B27}"/>
               </a:ext>
             </a:extLst>
           </p:cNvPr>
@@ -696,7 +696,7 @@
           <p:cNvPr id="6" name="灯片编号占位符 5">
             <a:extLst>
               <a:ext uri="{FF2B5EF4-FFF2-40B4-BE49-F238E27FC236}">
-                <a16:creationId xmlns:a16="http://schemas.microsoft.com/office/drawing/2014/main" id="{4964F9F8-5237-D3CD-C4AD-59952B142B43}"/>
+                <a16:creationId xmlns:a16="http://schemas.microsoft.com/office/drawing/2014/main" id="{EA3E9816-ABCD-A872-29B9-204798AE5F0E}"/>
               </a:ext>
             </a:extLst>
           </p:cNvPr>
@@ -712,7 +712,7 @@
           <a:bodyPr/>
           <a:lstStyle/>
           <a:p>
-            <a:fld id="{97237C8C-A6B9-409B-9436-BC00217B5AB0}" type="slidenum">
+            <a:fld id="{C0326F7E-3C78-4207-A752-1AD968602EA8}" type="slidenum">
               <a:rPr lang="zh-CN" altLang="en-US" smtClean="0"/>
               <a:t>‹#›</a:t>
             </a:fld>
@@ -723,7 +723,7 @@
     </p:spTree>
     <p:extLst>
       <p:ext uri="{BB962C8B-B14F-4D97-AF65-F5344CB8AC3E}">
-        <p14:creationId xmlns:p14="http://schemas.microsoft.com/office/powerpoint/2010/main" val="403133941"/>
+        <p14:creationId xmlns:p14="http://schemas.microsoft.com/office/powerpoint/2010/main" val="70376046"/>
       </p:ext>
     </p:extLst>
   </p:cSld>
@@ -755,7 +755,7 @@
           <p:cNvPr id="2" name="标题 1">
             <a:extLst>
               <a:ext uri="{FF2B5EF4-FFF2-40B4-BE49-F238E27FC236}">
-                <a16:creationId xmlns:a16="http://schemas.microsoft.com/office/drawing/2014/main" id="{C882A361-20C3-4E33-FC23-6FCA76A8AD19}"/>
+                <a16:creationId xmlns:a16="http://schemas.microsoft.com/office/drawing/2014/main" id="{F0608BA3-179B-F559-C6E5-E3DE9A568177}"/>
               </a:ext>
             </a:extLst>
           </p:cNvPr>
@@ -783,7 +783,7 @@
           <p:cNvPr id="3" name="内容占位符 2">
             <a:extLst>
               <a:ext uri="{FF2B5EF4-FFF2-40B4-BE49-F238E27FC236}">
-                <a16:creationId xmlns:a16="http://schemas.microsoft.com/office/drawing/2014/main" id="{1B0CC899-59E9-B59E-B207-D4FDCFCD6CD3}"/>
+                <a16:creationId xmlns:a16="http://schemas.microsoft.com/office/drawing/2014/main" id="{06C94955-5FEE-BC1D-CA12-F34FEBD616EB}"/>
               </a:ext>
             </a:extLst>
           </p:cNvPr>
@@ -840,7 +840,7 @@
           <p:cNvPr id="4" name="日期占位符 3">
             <a:extLst>
               <a:ext uri="{FF2B5EF4-FFF2-40B4-BE49-F238E27FC236}">
-                <a16:creationId xmlns:a16="http://schemas.microsoft.com/office/drawing/2014/main" id="{C58F8BAE-7AFA-3457-A3F5-8A585FFC01FA}"/>
+                <a16:creationId xmlns:a16="http://schemas.microsoft.com/office/drawing/2014/main" id="{23A6534A-EF94-C578-A59D-9BA221DF5190}"/>
               </a:ext>
             </a:extLst>
           </p:cNvPr>
@@ -856,7 +856,7 @@
           <a:bodyPr/>
           <a:lstStyle/>
           <a:p>
-            <a:fld id="{F05B63D8-7D38-40DD-83D4-E1EFBB027C4F}" type="datetimeFigureOut">
+            <a:fld id="{2E68DABB-1AD8-42E4-BD4A-2EAD44E6D6DD}" type="datetimeFigureOut">
               <a:rPr lang="zh-CN" altLang="en-US" smtClean="0"/>
               <a:t>2024/3/10</a:t>
             </a:fld>
@@ -869,7 +869,7 @@
           <p:cNvPr id="5" name="页脚占位符 4">
             <a:extLst>
               <a:ext uri="{FF2B5EF4-FFF2-40B4-BE49-F238E27FC236}">
-                <a16:creationId xmlns:a16="http://schemas.microsoft.com/office/drawing/2014/main" id="{4B76BD94-40C6-AD22-5842-B63F473866C8}"/>
+                <a16:creationId xmlns:a16="http://schemas.microsoft.com/office/drawing/2014/main" id="{270ADD51-5F56-674B-9442-5A87A511A704}"/>
               </a:ext>
             </a:extLst>
           </p:cNvPr>
@@ -894,7 +894,7 @@
           <p:cNvPr id="6" name="灯片编号占位符 5">
             <a:extLst>
               <a:ext uri="{FF2B5EF4-FFF2-40B4-BE49-F238E27FC236}">
-                <a16:creationId xmlns:a16="http://schemas.microsoft.com/office/drawing/2014/main" id="{AC55FE80-80A9-1FE1-A0E6-C0794C287CA8}"/>
+                <a16:creationId xmlns:a16="http://schemas.microsoft.com/office/drawing/2014/main" id="{3BC14BB6-3AD2-37C6-5CB3-19FFA488982C}"/>
               </a:ext>
             </a:extLst>
           </p:cNvPr>
@@ -910,7 +910,7 @@
           <a:bodyPr/>
           <a:lstStyle/>
           <a:p>
-            <a:fld id="{97237C8C-A6B9-409B-9436-BC00217B5AB0}" type="slidenum">
+            <a:fld id="{C0326F7E-3C78-4207-A752-1AD968602EA8}" type="slidenum">
               <a:rPr lang="zh-CN" altLang="en-US" smtClean="0"/>
               <a:t>‹#›</a:t>
             </a:fld>
@@ -921,7 +921,7 @@
     </p:spTree>
     <p:extLst>
       <p:ext uri="{BB962C8B-B14F-4D97-AF65-F5344CB8AC3E}">
-        <p14:creationId xmlns:p14="http://schemas.microsoft.com/office/powerpoint/2010/main" val="464973557"/>
+        <p14:creationId xmlns:p14="http://schemas.microsoft.com/office/powerpoint/2010/main" val="4255854990"/>
       </p:ext>
     </p:extLst>
   </p:cSld>
@@ -953,7 +953,7 @@
           <p:cNvPr id="2" name="标题 1">
             <a:extLst>
               <a:ext uri="{FF2B5EF4-FFF2-40B4-BE49-F238E27FC236}">
-                <a16:creationId xmlns:a16="http://schemas.microsoft.com/office/drawing/2014/main" id="{9BF2C851-9AD9-7D60-2327-B990B0E91747}"/>
+                <a16:creationId xmlns:a16="http://schemas.microsoft.com/office/drawing/2014/main" id="{36AD1171-6668-C943-94AA-1701107B70BE}"/>
               </a:ext>
             </a:extLst>
           </p:cNvPr>
@@ -990,7 +990,7 @@
           <p:cNvPr id="3" name="文本占位符 2">
             <a:extLst>
               <a:ext uri="{FF2B5EF4-FFF2-40B4-BE49-F238E27FC236}">
-                <a16:creationId xmlns:a16="http://schemas.microsoft.com/office/drawing/2014/main" id="{2DCF811C-EF42-49C8-0167-7A1DD8C60C70}"/>
+                <a16:creationId xmlns:a16="http://schemas.microsoft.com/office/drawing/2014/main" id="{9AA4ECD5-B4D4-2E3B-86D0-5BD0FFE17DED}"/>
               </a:ext>
             </a:extLst>
           </p:cNvPr>
@@ -1115,7 +1115,7 @@
           <p:cNvPr id="4" name="日期占位符 3">
             <a:extLst>
               <a:ext uri="{FF2B5EF4-FFF2-40B4-BE49-F238E27FC236}">
-                <a16:creationId xmlns:a16="http://schemas.microsoft.com/office/drawing/2014/main" id="{A08BA293-15CA-0B5B-2E3F-8EB1E52F01A4}"/>
+                <a16:creationId xmlns:a16="http://schemas.microsoft.com/office/drawing/2014/main" id="{F287C224-9425-8364-1172-946F74B7EEFA}"/>
               </a:ext>
             </a:extLst>
           </p:cNvPr>
@@ -1131,7 +1131,7 @@
           <a:bodyPr/>
           <a:lstStyle/>
           <a:p>
-            <a:fld id="{F05B63D8-7D38-40DD-83D4-E1EFBB027C4F}" type="datetimeFigureOut">
+            <a:fld id="{2E68DABB-1AD8-42E4-BD4A-2EAD44E6D6DD}" type="datetimeFigureOut">
               <a:rPr lang="zh-CN" altLang="en-US" smtClean="0"/>
               <a:t>2024/3/10</a:t>
             </a:fld>
@@ -1144,7 +1144,7 @@
           <p:cNvPr id="5" name="页脚占位符 4">
             <a:extLst>
               <a:ext uri="{FF2B5EF4-FFF2-40B4-BE49-F238E27FC236}">
-                <a16:creationId xmlns:a16="http://schemas.microsoft.com/office/drawing/2014/main" id="{D68BE72E-A0AA-3135-D438-E81B467506DB}"/>
+                <a16:creationId xmlns:a16="http://schemas.microsoft.com/office/drawing/2014/main" id="{96A70BEC-F362-08D1-5D44-478873CA488D}"/>
               </a:ext>
             </a:extLst>
           </p:cNvPr>
@@ -1169,7 +1169,7 @@
           <p:cNvPr id="6" name="灯片编号占位符 5">
             <a:extLst>
               <a:ext uri="{FF2B5EF4-FFF2-40B4-BE49-F238E27FC236}">
-                <a16:creationId xmlns:a16="http://schemas.microsoft.com/office/drawing/2014/main" id="{2B4E9FE4-AC1D-7DAA-5D4E-92AB61AEA78E}"/>
+                <a16:creationId xmlns:a16="http://schemas.microsoft.com/office/drawing/2014/main" id="{77F8085A-3F92-C26B-CC96-1E83513C588F}"/>
               </a:ext>
             </a:extLst>
           </p:cNvPr>
@@ -1185,7 +1185,7 @@
           <a:bodyPr/>
           <a:lstStyle/>
           <a:p>
-            <a:fld id="{97237C8C-A6B9-409B-9436-BC00217B5AB0}" type="slidenum">
+            <a:fld id="{C0326F7E-3C78-4207-A752-1AD968602EA8}" type="slidenum">
               <a:rPr lang="zh-CN" altLang="en-US" smtClean="0"/>
               <a:t>‹#›</a:t>
             </a:fld>
@@ -1196,7 +1196,7 @@
     </p:spTree>
     <p:extLst>
       <p:ext uri="{BB962C8B-B14F-4D97-AF65-F5344CB8AC3E}">
-        <p14:creationId xmlns:p14="http://schemas.microsoft.com/office/powerpoint/2010/main" val="3823553490"/>
+        <p14:creationId xmlns:p14="http://schemas.microsoft.com/office/powerpoint/2010/main" val="4294090199"/>
       </p:ext>
     </p:extLst>
   </p:cSld>
@@ -1228,7 +1228,7 @@
           <p:cNvPr id="2" name="标题 1">
             <a:extLst>
               <a:ext uri="{FF2B5EF4-FFF2-40B4-BE49-F238E27FC236}">
-                <a16:creationId xmlns:a16="http://schemas.microsoft.com/office/drawing/2014/main" id="{4143E7F2-7AC7-BFA4-EC00-28FEBA253991}"/>
+                <a16:creationId xmlns:a16="http://schemas.microsoft.com/office/drawing/2014/main" id="{418BB3EA-3490-BB6D-28B9-CB0337C8749F}"/>
               </a:ext>
             </a:extLst>
           </p:cNvPr>
@@ -1256,7 +1256,7 @@
           <p:cNvPr id="3" name="内容占位符 2">
             <a:extLst>
               <a:ext uri="{FF2B5EF4-FFF2-40B4-BE49-F238E27FC236}">
-                <a16:creationId xmlns:a16="http://schemas.microsoft.com/office/drawing/2014/main" id="{E0B884E0-7E11-AC91-A729-8D9075C26731}"/>
+                <a16:creationId xmlns:a16="http://schemas.microsoft.com/office/drawing/2014/main" id="{79E4EC4B-9DF9-8625-848E-BB54A304EBA7}"/>
               </a:ext>
             </a:extLst>
           </p:cNvPr>
@@ -1318,7 +1318,7 @@
           <p:cNvPr id="4" name="内容占位符 3">
             <a:extLst>
               <a:ext uri="{FF2B5EF4-FFF2-40B4-BE49-F238E27FC236}">
-                <a16:creationId xmlns:a16="http://schemas.microsoft.com/office/drawing/2014/main" id="{2D117C8D-7658-8BE5-F0D2-AA7E8C7D417D}"/>
+                <a16:creationId xmlns:a16="http://schemas.microsoft.com/office/drawing/2014/main" id="{3E4F7992-0104-C849-8748-1F01FE69B623}"/>
               </a:ext>
             </a:extLst>
           </p:cNvPr>
@@ -1380,7 +1380,7 @@
           <p:cNvPr id="5" name="日期占位符 4">
             <a:extLst>
               <a:ext uri="{FF2B5EF4-FFF2-40B4-BE49-F238E27FC236}">
-                <a16:creationId xmlns:a16="http://schemas.microsoft.com/office/drawing/2014/main" id="{401D23F4-4A0A-23C1-FFF6-0F70250779C0}"/>
+                <a16:creationId xmlns:a16="http://schemas.microsoft.com/office/drawing/2014/main" id="{59D2EBA4-D010-852D-478E-9ABB1D495D15}"/>
               </a:ext>
             </a:extLst>
           </p:cNvPr>
@@ -1396,7 +1396,7 @@
           <a:bodyPr/>
           <a:lstStyle/>
           <a:p>
-            <a:fld id="{F05B63D8-7D38-40DD-83D4-E1EFBB027C4F}" type="datetimeFigureOut">
+            <a:fld id="{2E68DABB-1AD8-42E4-BD4A-2EAD44E6D6DD}" type="datetimeFigureOut">
               <a:rPr lang="zh-CN" altLang="en-US" smtClean="0"/>
               <a:t>2024/3/10</a:t>
             </a:fld>
@@ -1409,7 +1409,7 @@
           <p:cNvPr id="6" name="页脚占位符 5">
             <a:extLst>
               <a:ext uri="{FF2B5EF4-FFF2-40B4-BE49-F238E27FC236}">
-                <a16:creationId xmlns:a16="http://schemas.microsoft.com/office/drawing/2014/main" id="{0C28E065-5B46-54CE-B39A-7984130B48EB}"/>
+                <a16:creationId xmlns:a16="http://schemas.microsoft.com/office/drawing/2014/main" id="{F8B17DA0-280A-C21C-E652-8B89C9942617}"/>
               </a:ext>
             </a:extLst>
           </p:cNvPr>
@@ -1434,7 +1434,7 @@
           <p:cNvPr id="7" name="灯片编号占位符 6">
             <a:extLst>
               <a:ext uri="{FF2B5EF4-FFF2-40B4-BE49-F238E27FC236}">
-                <a16:creationId xmlns:a16="http://schemas.microsoft.com/office/drawing/2014/main" id="{E974FA93-D222-CCB9-B2F7-E022AEC21DAB}"/>
+                <a16:creationId xmlns:a16="http://schemas.microsoft.com/office/drawing/2014/main" id="{05036A29-F568-41A0-2E2B-36B00752FAC0}"/>
               </a:ext>
             </a:extLst>
           </p:cNvPr>
@@ -1450,7 +1450,7 @@
           <a:bodyPr/>
           <a:lstStyle/>
           <a:p>
-            <a:fld id="{97237C8C-A6B9-409B-9436-BC00217B5AB0}" type="slidenum">
+            <a:fld id="{C0326F7E-3C78-4207-A752-1AD968602EA8}" type="slidenum">
               <a:rPr lang="zh-CN" altLang="en-US" smtClean="0"/>
               <a:t>‹#›</a:t>
             </a:fld>
@@ -1461,7 +1461,7 @@
     </p:spTree>
     <p:extLst>
       <p:ext uri="{BB962C8B-B14F-4D97-AF65-F5344CB8AC3E}">
-        <p14:creationId xmlns:p14="http://schemas.microsoft.com/office/powerpoint/2010/main" val="3163448049"/>
+        <p14:creationId xmlns:p14="http://schemas.microsoft.com/office/powerpoint/2010/main" val="872769494"/>
       </p:ext>
     </p:extLst>
   </p:cSld>
@@ -1493,7 +1493,7 @@
           <p:cNvPr id="2" name="标题 1">
             <a:extLst>
               <a:ext uri="{FF2B5EF4-FFF2-40B4-BE49-F238E27FC236}">
-                <a16:creationId xmlns:a16="http://schemas.microsoft.com/office/drawing/2014/main" id="{8556A139-C613-7C85-DC6F-2241C7C8EF06}"/>
+                <a16:creationId xmlns:a16="http://schemas.microsoft.com/office/drawing/2014/main" id="{CDF3260C-5CD8-1CCF-B617-D1E0C3FB890D}"/>
               </a:ext>
             </a:extLst>
           </p:cNvPr>
@@ -1526,7 +1526,7 @@
           <p:cNvPr id="3" name="文本占位符 2">
             <a:extLst>
               <a:ext uri="{FF2B5EF4-FFF2-40B4-BE49-F238E27FC236}">
-                <a16:creationId xmlns:a16="http://schemas.microsoft.com/office/drawing/2014/main" id="{49D26A8B-EAB0-4D55-8219-A3C07728925C}"/>
+                <a16:creationId xmlns:a16="http://schemas.microsoft.com/office/drawing/2014/main" id="{34F55532-B9B1-AD2C-3F27-7E2B5646FBEA}"/>
               </a:ext>
             </a:extLst>
           </p:cNvPr>
@@ -1597,7 +1597,7 @@
           <p:cNvPr id="4" name="内容占位符 3">
             <a:extLst>
               <a:ext uri="{FF2B5EF4-FFF2-40B4-BE49-F238E27FC236}">
-                <a16:creationId xmlns:a16="http://schemas.microsoft.com/office/drawing/2014/main" id="{433225AB-5BB7-3E06-5BDC-A332A7909149}"/>
+                <a16:creationId xmlns:a16="http://schemas.microsoft.com/office/drawing/2014/main" id="{E07F3DFF-A60B-B970-82E7-A2A9EDE2CCB5}"/>
               </a:ext>
             </a:extLst>
           </p:cNvPr>
@@ -1659,7 +1659,7 @@
           <p:cNvPr id="5" name="文本占位符 4">
             <a:extLst>
               <a:ext uri="{FF2B5EF4-FFF2-40B4-BE49-F238E27FC236}">
-                <a16:creationId xmlns:a16="http://schemas.microsoft.com/office/drawing/2014/main" id="{6C39EADD-CD75-3B57-DD6D-E89948099306}"/>
+                <a16:creationId xmlns:a16="http://schemas.microsoft.com/office/drawing/2014/main" id="{DA8B058F-1E3A-E530-C4E5-BE32A493AC2B}"/>
               </a:ext>
             </a:extLst>
           </p:cNvPr>
@@ -1730,7 +1730,7 @@
           <p:cNvPr id="6" name="内容占位符 5">
             <a:extLst>
               <a:ext uri="{FF2B5EF4-FFF2-40B4-BE49-F238E27FC236}">
-                <a16:creationId xmlns:a16="http://schemas.microsoft.com/office/drawing/2014/main" id="{3B0C0BEC-6DCE-AD38-D639-528FC40D4218}"/>
+                <a16:creationId xmlns:a16="http://schemas.microsoft.com/office/drawing/2014/main" id="{77A9EE65-E36C-565A-599F-CC7F5B77DC02}"/>
               </a:ext>
             </a:extLst>
           </p:cNvPr>
@@ -1792,7 +1792,7 @@
           <p:cNvPr id="7" name="日期占位符 6">
             <a:extLst>
               <a:ext uri="{FF2B5EF4-FFF2-40B4-BE49-F238E27FC236}">
-                <a16:creationId xmlns:a16="http://schemas.microsoft.com/office/drawing/2014/main" id="{3E1A610E-8CC9-98F3-30FA-6CE16978E663}"/>
+                <a16:creationId xmlns:a16="http://schemas.microsoft.com/office/drawing/2014/main" id="{FD4D016C-BCD0-D78D-3E9C-DCF30B2FB648}"/>
               </a:ext>
             </a:extLst>
           </p:cNvPr>
@@ -1808,7 +1808,7 @@
           <a:bodyPr/>
           <a:lstStyle/>
           <a:p>
-            <a:fld id="{F05B63D8-7D38-40DD-83D4-E1EFBB027C4F}" type="datetimeFigureOut">
+            <a:fld id="{2E68DABB-1AD8-42E4-BD4A-2EAD44E6D6DD}" type="datetimeFigureOut">
               <a:rPr lang="zh-CN" altLang="en-US" smtClean="0"/>
               <a:t>2024/3/10</a:t>
             </a:fld>
@@ -1821,7 +1821,7 @@
           <p:cNvPr id="8" name="页脚占位符 7">
             <a:extLst>
               <a:ext uri="{FF2B5EF4-FFF2-40B4-BE49-F238E27FC236}">
-                <a16:creationId xmlns:a16="http://schemas.microsoft.com/office/drawing/2014/main" id="{5A2E627D-12C0-6D83-624B-671B65EDA479}"/>
+                <a16:creationId xmlns:a16="http://schemas.microsoft.com/office/drawing/2014/main" id="{243DB532-1051-8099-DC9F-125799032EE7}"/>
               </a:ext>
             </a:extLst>
           </p:cNvPr>
@@ -1846,7 +1846,7 @@
           <p:cNvPr id="9" name="灯片编号占位符 8">
             <a:extLst>
               <a:ext uri="{FF2B5EF4-FFF2-40B4-BE49-F238E27FC236}">
-                <a16:creationId xmlns:a16="http://schemas.microsoft.com/office/drawing/2014/main" id="{97146425-0F65-5AB6-DF47-4F67B82C7C3A}"/>
+                <a16:creationId xmlns:a16="http://schemas.microsoft.com/office/drawing/2014/main" id="{B89B4DF3-4D88-4A02-C173-2461B9F1EBA5}"/>
               </a:ext>
             </a:extLst>
           </p:cNvPr>
@@ -1862,7 +1862,7 @@
           <a:bodyPr/>
           <a:lstStyle/>
           <a:p>
-            <a:fld id="{97237C8C-A6B9-409B-9436-BC00217B5AB0}" type="slidenum">
+            <a:fld id="{C0326F7E-3C78-4207-A752-1AD968602EA8}" type="slidenum">
               <a:rPr lang="zh-CN" altLang="en-US" smtClean="0"/>
               <a:t>‹#›</a:t>
             </a:fld>
@@ -1873,7 +1873,7 @@
     </p:spTree>
     <p:extLst>
       <p:ext uri="{BB962C8B-B14F-4D97-AF65-F5344CB8AC3E}">
-        <p14:creationId xmlns:p14="http://schemas.microsoft.com/office/powerpoint/2010/main" val="1526376434"/>
+        <p14:creationId xmlns:p14="http://schemas.microsoft.com/office/powerpoint/2010/main" val="2869666345"/>
       </p:ext>
     </p:extLst>
   </p:cSld>
@@ -1905,7 +1905,7 @@
           <p:cNvPr id="2" name="标题 1">
             <a:extLst>
               <a:ext uri="{FF2B5EF4-FFF2-40B4-BE49-F238E27FC236}">
-                <a16:creationId xmlns:a16="http://schemas.microsoft.com/office/drawing/2014/main" id="{A05CF943-B5FD-0523-E3F6-211FE14A7D8B}"/>
+                <a16:creationId xmlns:a16="http://schemas.microsoft.com/office/drawing/2014/main" id="{67291D50-E260-958A-CF03-FC0AE619642F}"/>
               </a:ext>
             </a:extLst>
           </p:cNvPr>
@@ -1933,7 +1933,7 @@
           <p:cNvPr id="3" name="日期占位符 2">
             <a:extLst>
               <a:ext uri="{FF2B5EF4-FFF2-40B4-BE49-F238E27FC236}">
-                <a16:creationId xmlns:a16="http://schemas.microsoft.com/office/drawing/2014/main" id="{BEA12BF0-CEF3-B5BB-2DD6-A1CF82D73B3B}"/>
+                <a16:creationId xmlns:a16="http://schemas.microsoft.com/office/drawing/2014/main" id="{CCC2C0EA-8D84-A672-BD67-56F8AB5B528C}"/>
               </a:ext>
             </a:extLst>
           </p:cNvPr>
@@ -1949,7 +1949,7 @@
           <a:bodyPr/>
           <a:lstStyle/>
           <a:p>
-            <a:fld id="{F05B63D8-7D38-40DD-83D4-E1EFBB027C4F}" type="datetimeFigureOut">
+            <a:fld id="{2E68DABB-1AD8-42E4-BD4A-2EAD44E6D6DD}" type="datetimeFigureOut">
               <a:rPr lang="zh-CN" altLang="en-US" smtClean="0"/>
               <a:t>2024/3/10</a:t>
             </a:fld>
@@ -1962,7 +1962,7 @@
           <p:cNvPr id="4" name="页脚占位符 3">
             <a:extLst>
               <a:ext uri="{FF2B5EF4-FFF2-40B4-BE49-F238E27FC236}">
-                <a16:creationId xmlns:a16="http://schemas.microsoft.com/office/drawing/2014/main" id="{F3A00C56-DB00-D5D3-3110-7CF1A7F8DFEA}"/>
+                <a16:creationId xmlns:a16="http://schemas.microsoft.com/office/drawing/2014/main" id="{3EC79876-95BA-C848-D8B8-A77CCF7BF2C5}"/>
               </a:ext>
             </a:extLst>
           </p:cNvPr>
@@ -1987,7 +1987,7 @@
           <p:cNvPr id="5" name="灯片编号占位符 4">
             <a:extLst>
               <a:ext uri="{FF2B5EF4-FFF2-40B4-BE49-F238E27FC236}">
-                <a16:creationId xmlns:a16="http://schemas.microsoft.com/office/drawing/2014/main" id="{D58C0C5B-F08B-1E12-E138-BBB0296D646D}"/>
+                <a16:creationId xmlns:a16="http://schemas.microsoft.com/office/drawing/2014/main" id="{2B9CBCEC-6D0F-FC19-3949-9DCEF5D8EA0A}"/>
               </a:ext>
             </a:extLst>
           </p:cNvPr>
@@ -2003,7 +2003,7 @@
           <a:bodyPr/>
           <a:lstStyle/>
           <a:p>
-            <a:fld id="{97237C8C-A6B9-409B-9436-BC00217B5AB0}" type="slidenum">
+            <a:fld id="{C0326F7E-3C78-4207-A752-1AD968602EA8}" type="slidenum">
               <a:rPr lang="zh-CN" altLang="en-US" smtClean="0"/>
               <a:t>‹#›</a:t>
             </a:fld>
@@ -2014,7 +2014,7 @@
     </p:spTree>
     <p:extLst>
       <p:ext uri="{BB962C8B-B14F-4D97-AF65-F5344CB8AC3E}">
-        <p14:creationId xmlns:p14="http://schemas.microsoft.com/office/powerpoint/2010/main" val="3879927134"/>
+        <p14:creationId xmlns:p14="http://schemas.microsoft.com/office/powerpoint/2010/main" val="1672921415"/>
       </p:ext>
     </p:extLst>
   </p:cSld>
@@ -2046,7 +2046,7 @@
           <p:cNvPr id="2" name="日期占位符 1">
             <a:extLst>
               <a:ext uri="{FF2B5EF4-FFF2-40B4-BE49-F238E27FC236}">
-                <a16:creationId xmlns:a16="http://schemas.microsoft.com/office/drawing/2014/main" id="{8DA96FB5-2638-BCA7-CA45-F35817B02083}"/>
+                <a16:creationId xmlns:a16="http://schemas.microsoft.com/office/drawing/2014/main" id="{7F44E266-63C5-2281-E64A-ED7981CABF0C}"/>
               </a:ext>
             </a:extLst>
           </p:cNvPr>
@@ -2062,7 +2062,7 @@
           <a:bodyPr/>
           <a:lstStyle/>
           <a:p>
-            <a:fld id="{F05B63D8-7D38-40DD-83D4-E1EFBB027C4F}" type="datetimeFigureOut">
+            <a:fld id="{2E68DABB-1AD8-42E4-BD4A-2EAD44E6D6DD}" type="datetimeFigureOut">
               <a:rPr lang="zh-CN" altLang="en-US" smtClean="0"/>
               <a:t>2024/3/10</a:t>
             </a:fld>
@@ -2075,7 +2075,7 @@
           <p:cNvPr id="3" name="页脚占位符 2">
             <a:extLst>
               <a:ext uri="{FF2B5EF4-FFF2-40B4-BE49-F238E27FC236}">
-                <a16:creationId xmlns:a16="http://schemas.microsoft.com/office/drawing/2014/main" id="{74CBC943-5D32-4A1B-9B38-BBA1D94E1AAF}"/>
+                <a16:creationId xmlns:a16="http://schemas.microsoft.com/office/drawing/2014/main" id="{27DFFBA1-B44D-D326-11AE-36ACCB2AD167}"/>
               </a:ext>
             </a:extLst>
           </p:cNvPr>
@@ -2100,7 +2100,7 @@
           <p:cNvPr id="4" name="灯片编号占位符 3">
             <a:extLst>
               <a:ext uri="{FF2B5EF4-FFF2-40B4-BE49-F238E27FC236}">
-                <a16:creationId xmlns:a16="http://schemas.microsoft.com/office/drawing/2014/main" id="{38D59A64-F0F9-8B67-90E7-C2FED0CC02D1}"/>
+                <a16:creationId xmlns:a16="http://schemas.microsoft.com/office/drawing/2014/main" id="{5FCE27E4-0288-6997-0993-E2A0B3277F68}"/>
               </a:ext>
             </a:extLst>
           </p:cNvPr>
@@ -2116,7 +2116,7 @@
           <a:bodyPr/>
           <a:lstStyle/>
           <a:p>
-            <a:fld id="{97237C8C-A6B9-409B-9436-BC00217B5AB0}" type="slidenum">
+            <a:fld id="{C0326F7E-3C78-4207-A752-1AD968602EA8}" type="slidenum">
               <a:rPr lang="zh-CN" altLang="en-US" smtClean="0"/>
               <a:t>‹#›</a:t>
             </a:fld>
@@ -2127,7 +2127,7 @@
     </p:spTree>
     <p:extLst>
       <p:ext uri="{BB962C8B-B14F-4D97-AF65-F5344CB8AC3E}">
-        <p14:creationId xmlns:p14="http://schemas.microsoft.com/office/powerpoint/2010/main" val="2328361701"/>
+        <p14:creationId xmlns:p14="http://schemas.microsoft.com/office/powerpoint/2010/main" val="3339981055"/>
       </p:ext>
     </p:extLst>
   </p:cSld>
@@ -2159,7 +2159,7 @@
           <p:cNvPr id="2" name="标题 1">
             <a:extLst>
               <a:ext uri="{FF2B5EF4-FFF2-40B4-BE49-F238E27FC236}">
-                <a16:creationId xmlns:a16="http://schemas.microsoft.com/office/drawing/2014/main" id="{B9C7E79C-0EC1-6A22-B03D-62EDA9AE5EFD}"/>
+                <a16:creationId xmlns:a16="http://schemas.microsoft.com/office/drawing/2014/main" id="{42EBB13B-E9EE-40D3-B5EB-73BB96F7CEE7}"/>
               </a:ext>
             </a:extLst>
           </p:cNvPr>
@@ -2196,7 +2196,7 @@
           <p:cNvPr id="3" name="内容占位符 2">
             <a:extLst>
               <a:ext uri="{FF2B5EF4-FFF2-40B4-BE49-F238E27FC236}">
-                <a16:creationId xmlns:a16="http://schemas.microsoft.com/office/drawing/2014/main" id="{472A5B55-5907-E99D-749B-42E19FEDFC4C}"/>
+                <a16:creationId xmlns:a16="http://schemas.microsoft.com/office/drawing/2014/main" id="{5844793F-4D11-429D-AA1A-2AC48D15CA17}"/>
               </a:ext>
             </a:extLst>
           </p:cNvPr>
@@ -2286,7 +2286,7 @@
           <p:cNvPr id="4" name="文本占位符 3">
             <a:extLst>
               <a:ext uri="{FF2B5EF4-FFF2-40B4-BE49-F238E27FC236}">
-                <a16:creationId xmlns:a16="http://schemas.microsoft.com/office/drawing/2014/main" id="{D2D135D8-F797-7044-D134-D3361CDD479B}"/>
+                <a16:creationId xmlns:a16="http://schemas.microsoft.com/office/drawing/2014/main" id="{C4B07606-584E-898E-EB0E-52C118483B89}"/>
               </a:ext>
             </a:extLst>
           </p:cNvPr>
@@ -2357,7 +2357,7 @@
           <p:cNvPr id="5" name="日期占位符 4">
             <a:extLst>
               <a:ext uri="{FF2B5EF4-FFF2-40B4-BE49-F238E27FC236}">
-                <a16:creationId xmlns:a16="http://schemas.microsoft.com/office/drawing/2014/main" id="{97BA17DB-7973-4C61-9A7B-D451B9ED3BC0}"/>
+                <a16:creationId xmlns:a16="http://schemas.microsoft.com/office/drawing/2014/main" id="{8244663E-D2A6-85C6-3486-A5CE1001C468}"/>
               </a:ext>
             </a:extLst>
           </p:cNvPr>
@@ -2373,7 +2373,7 @@
           <a:bodyPr/>
           <a:lstStyle/>
           <a:p>
-            <a:fld id="{F05B63D8-7D38-40DD-83D4-E1EFBB027C4F}" type="datetimeFigureOut">
+            <a:fld id="{2E68DABB-1AD8-42E4-BD4A-2EAD44E6D6DD}" type="datetimeFigureOut">
               <a:rPr lang="zh-CN" altLang="en-US" smtClean="0"/>
               <a:t>2024/3/10</a:t>
             </a:fld>
@@ -2386,7 +2386,7 @@
           <p:cNvPr id="6" name="页脚占位符 5">
             <a:extLst>
               <a:ext uri="{FF2B5EF4-FFF2-40B4-BE49-F238E27FC236}">
-                <a16:creationId xmlns:a16="http://schemas.microsoft.com/office/drawing/2014/main" id="{76D04F66-B548-BFFE-EE60-367F6E68E438}"/>
+                <a16:creationId xmlns:a16="http://schemas.microsoft.com/office/drawing/2014/main" id="{4A139597-EA4F-AC73-4A9F-2D2649BF0C68}"/>
               </a:ext>
             </a:extLst>
           </p:cNvPr>
@@ -2411,7 +2411,7 @@
           <p:cNvPr id="7" name="灯片编号占位符 6">
             <a:extLst>
               <a:ext uri="{FF2B5EF4-FFF2-40B4-BE49-F238E27FC236}">
-                <a16:creationId xmlns:a16="http://schemas.microsoft.com/office/drawing/2014/main" id="{4C68810B-C84D-2257-5607-A03C7D637888}"/>
+                <a16:creationId xmlns:a16="http://schemas.microsoft.com/office/drawing/2014/main" id="{0A4AA5C7-2366-41A2-3447-E0D3F5A1C101}"/>
               </a:ext>
             </a:extLst>
           </p:cNvPr>
@@ -2427,7 +2427,7 @@
           <a:bodyPr/>
           <a:lstStyle/>
           <a:p>
-            <a:fld id="{97237C8C-A6B9-409B-9436-BC00217B5AB0}" type="slidenum">
+            <a:fld id="{C0326F7E-3C78-4207-A752-1AD968602EA8}" type="slidenum">
               <a:rPr lang="zh-CN" altLang="en-US" smtClean="0"/>
               <a:t>‹#›</a:t>
             </a:fld>
@@ -2438,7 +2438,7 @@
     </p:spTree>
     <p:extLst>
       <p:ext uri="{BB962C8B-B14F-4D97-AF65-F5344CB8AC3E}">
-        <p14:creationId xmlns:p14="http://schemas.microsoft.com/office/powerpoint/2010/main" val="2349875752"/>
+        <p14:creationId xmlns:p14="http://schemas.microsoft.com/office/powerpoint/2010/main" val="4136840989"/>
       </p:ext>
     </p:extLst>
   </p:cSld>
@@ -2470,7 +2470,7 @@
           <p:cNvPr id="2" name="标题 1">
             <a:extLst>
               <a:ext uri="{FF2B5EF4-FFF2-40B4-BE49-F238E27FC236}">
-                <a16:creationId xmlns:a16="http://schemas.microsoft.com/office/drawing/2014/main" id="{E94A20DD-92F7-074D-6284-6E940B7C669A}"/>
+                <a16:creationId xmlns:a16="http://schemas.microsoft.com/office/drawing/2014/main" id="{092455B6-8006-1F84-0318-4F4BBE1B408A}"/>
               </a:ext>
             </a:extLst>
           </p:cNvPr>
@@ -2507,7 +2507,7 @@
           <p:cNvPr id="3" name="图片占位符 2">
             <a:extLst>
               <a:ext uri="{FF2B5EF4-FFF2-40B4-BE49-F238E27FC236}">
-                <a16:creationId xmlns:a16="http://schemas.microsoft.com/office/drawing/2014/main" id="{4F7B0D7E-9E74-B7B8-4374-DA399ADCB198}"/>
+                <a16:creationId xmlns:a16="http://schemas.microsoft.com/office/drawing/2014/main" id="{DD61182D-D93E-1203-088E-0F2C1D844130}"/>
               </a:ext>
             </a:extLst>
           </p:cNvPr>
@@ -2574,7 +2574,7 @@
           <p:cNvPr id="4" name="文本占位符 3">
             <a:extLst>
               <a:ext uri="{FF2B5EF4-FFF2-40B4-BE49-F238E27FC236}">
-                <a16:creationId xmlns:a16="http://schemas.microsoft.com/office/drawing/2014/main" id="{FE0D6DD4-EE2F-F358-7C05-0D30546DE6A4}"/>
+                <a16:creationId xmlns:a16="http://schemas.microsoft.com/office/drawing/2014/main" id="{3C53B2E2-D938-CA90-C910-D34F13C1F458}"/>
               </a:ext>
             </a:extLst>
           </p:cNvPr>
@@ -2645,7 +2645,7 @@
           <p:cNvPr id="5" name="日期占位符 4">
             <a:extLst>
               <a:ext uri="{FF2B5EF4-FFF2-40B4-BE49-F238E27FC236}">
-                <a16:creationId xmlns:a16="http://schemas.microsoft.com/office/drawing/2014/main" id="{98F16DA1-7ADC-F40D-7FF3-68E3825EEA11}"/>
+                <a16:creationId xmlns:a16="http://schemas.microsoft.com/office/drawing/2014/main" id="{982523A7-B5A6-14BC-5172-2C469BE81711}"/>
               </a:ext>
             </a:extLst>
           </p:cNvPr>
@@ -2661,7 +2661,7 @@
           <a:bodyPr/>
           <a:lstStyle/>
           <a:p>
-            <a:fld id="{F05B63D8-7D38-40DD-83D4-E1EFBB027C4F}" type="datetimeFigureOut">
+            <a:fld id="{2E68DABB-1AD8-42E4-BD4A-2EAD44E6D6DD}" type="datetimeFigureOut">
               <a:rPr lang="zh-CN" altLang="en-US" smtClean="0"/>
               <a:t>2024/3/10</a:t>
             </a:fld>
@@ -2674,7 +2674,7 @@
           <p:cNvPr id="6" name="页脚占位符 5">
             <a:extLst>
               <a:ext uri="{FF2B5EF4-FFF2-40B4-BE49-F238E27FC236}">
-                <a16:creationId xmlns:a16="http://schemas.microsoft.com/office/drawing/2014/main" id="{DB004A70-CDD7-964D-C157-2AC5014D2B84}"/>
+                <a16:creationId xmlns:a16="http://schemas.microsoft.com/office/drawing/2014/main" id="{FE9D06F6-A6AC-BBEC-ED8B-DD8C1EDBCAEC}"/>
               </a:ext>
             </a:extLst>
           </p:cNvPr>
@@ -2699,7 +2699,7 @@
           <p:cNvPr id="7" name="灯片编号占位符 6">
             <a:extLst>
               <a:ext uri="{FF2B5EF4-FFF2-40B4-BE49-F238E27FC236}">
-                <a16:creationId xmlns:a16="http://schemas.microsoft.com/office/drawing/2014/main" id="{70AAAD5B-5879-ECD4-CF44-F8B88844F3D1}"/>
+                <a16:creationId xmlns:a16="http://schemas.microsoft.com/office/drawing/2014/main" id="{E08F1019-8FAA-51EC-6009-4C24E60A8594}"/>
               </a:ext>
             </a:extLst>
           </p:cNvPr>
@@ -2715,7 +2715,7 @@
           <a:bodyPr/>
           <a:lstStyle/>
           <a:p>
-            <a:fld id="{97237C8C-A6B9-409B-9436-BC00217B5AB0}" type="slidenum">
+            <a:fld id="{C0326F7E-3C78-4207-A752-1AD968602EA8}" type="slidenum">
               <a:rPr lang="zh-CN" altLang="en-US" smtClean="0"/>
               <a:t>‹#›</a:t>
             </a:fld>
@@ -2726,7 +2726,7 @@
     </p:spTree>
     <p:extLst>
       <p:ext uri="{BB962C8B-B14F-4D97-AF65-F5344CB8AC3E}">
-        <p14:creationId xmlns:p14="http://schemas.microsoft.com/office/powerpoint/2010/main" val="3167895499"/>
+        <p14:creationId xmlns:p14="http://schemas.microsoft.com/office/powerpoint/2010/main" val="3831477471"/>
       </p:ext>
     </p:extLst>
   </p:cSld>
@@ -2763,7 +2763,7 @@
           <p:cNvPr id="2" name="标题占位符 1">
             <a:extLst>
               <a:ext uri="{FF2B5EF4-FFF2-40B4-BE49-F238E27FC236}">
-                <a16:creationId xmlns:a16="http://schemas.microsoft.com/office/drawing/2014/main" id="{3A74BF52-B6B2-9879-1240-83B0F558DD0D}"/>
+                <a16:creationId xmlns:a16="http://schemas.microsoft.com/office/drawing/2014/main" id="{A6D04A06-7CA7-9DFC-A556-0EC70FA22BF9}"/>
               </a:ext>
             </a:extLst>
           </p:cNvPr>
@@ -2801,7 +2801,7 @@
           <p:cNvPr id="3" name="文本占位符 2">
             <a:extLst>
               <a:ext uri="{FF2B5EF4-FFF2-40B4-BE49-F238E27FC236}">
-                <a16:creationId xmlns:a16="http://schemas.microsoft.com/office/drawing/2014/main" id="{BA20898D-B6C8-F43A-8938-369D93FE9ADA}"/>
+                <a16:creationId xmlns:a16="http://schemas.microsoft.com/office/drawing/2014/main" id="{FA6CCE8F-D99F-9B26-C5FC-350EA9A261F8}"/>
               </a:ext>
             </a:extLst>
           </p:cNvPr>
@@ -2868,7 +2868,7 @@
           <p:cNvPr id="4" name="日期占位符 3">
             <a:extLst>
               <a:ext uri="{FF2B5EF4-FFF2-40B4-BE49-F238E27FC236}">
-                <a16:creationId xmlns:a16="http://schemas.microsoft.com/office/drawing/2014/main" id="{C6985BC3-F339-4FBE-1010-9C8923DEDBCF}"/>
+                <a16:creationId xmlns:a16="http://schemas.microsoft.com/office/drawing/2014/main" id="{1E5657EC-309C-C83C-B8DA-0FDD69385012}"/>
               </a:ext>
             </a:extLst>
           </p:cNvPr>
@@ -2902,7 +2902,7 @@
             </a:lvl1pPr>
           </a:lstStyle>
           <a:p>
-            <a:fld id="{F05B63D8-7D38-40DD-83D4-E1EFBB027C4F}" type="datetimeFigureOut">
+            <a:fld id="{2E68DABB-1AD8-42E4-BD4A-2EAD44E6D6DD}" type="datetimeFigureOut">
               <a:rPr lang="zh-CN" altLang="en-US" smtClean="0"/>
               <a:t>2024/3/10</a:t>
             </a:fld>
@@ -2915,7 +2915,7 @@
           <p:cNvPr id="5" name="页脚占位符 4">
             <a:extLst>
               <a:ext uri="{FF2B5EF4-FFF2-40B4-BE49-F238E27FC236}">
-                <a16:creationId xmlns:a16="http://schemas.microsoft.com/office/drawing/2014/main" id="{B7FA8642-A505-D111-8E79-CA2D8A87A47C}"/>
+                <a16:creationId xmlns:a16="http://schemas.microsoft.com/office/drawing/2014/main" id="{D3C42D7E-DF9B-8B1D-73C6-71B8DC31AC2F}"/>
               </a:ext>
             </a:extLst>
           </p:cNvPr>
@@ -2958,7 +2958,7 @@
           <p:cNvPr id="6" name="灯片编号占位符 5">
             <a:extLst>
               <a:ext uri="{FF2B5EF4-FFF2-40B4-BE49-F238E27FC236}">
-                <a16:creationId xmlns:a16="http://schemas.microsoft.com/office/drawing/2014/main" id="{ECDC5E31-9F39-CDB9-DE52-6C6539060E1C}"/>
+                <a16:creationId xmlns:a16="http://schemas.microsoft.com/office/drawing/2014/main" id="{7A629FC1-C501-3587-0456-F5CF1A6EF0E8}"/>
               </a:ext>
             </a:extLst>
           </p:cNvPr>
@@ -2992,7 +2992,7 @@
             </a:lvl1pPr>
           </a:lstStyle>
           <a:p>
-            <a:fld id="{97237C8C-A6B9-409B-9436-BC00217B5AB0}" type="slidenum">
+            <a:fld id="{C0326F7E-3C78-4207-A752-1AD968602EA8}" type="slidenum">
               <a:rPr lang="zh-CN" altLang="en-US" smtClean="0"/>
               <a:t>‹#›</a:t>
             </a:fld>
@@ -3003,7 +3003,7 @@
     </p:spTree>
     <p:extLst>
       <p:ext uri="{BB962C8B-B14F-4D97-AF65-F5344CB8AC3E}">
-        <p14:creationId xmlns:p14="http://schemas.microsoft.com/office/powerpoint/2010/main" val="540978452"/>
+        <p14:creationId xmlns:p14="http://schemas.microsoft.com/office/powerpoint/2010/main" val="3838540246"/>
       </p:ext>
     </p:extLst>
   </p:cSld>
@@ -3323,7 +3323,7 @@
       </p:grpSpPr>
       <p:pic>
         <p:nvPicPr>
-          <p:cNvPr id="436226" name="Picture 2" descr="425"/>
+          <p:cNvPr id="437250" name="Picture 2" descr="426"/>
           <p:cNvPicPr>
             <a:picLocks noChangeAspect="1" noChangeArrowheads="1"/>
           </p:cNvPicPr>
